--- a/Presentaions/TEAM PROPOSAL.pptx
+++ b/Presentaions/TEAM PROPOSAL.pptx
@@ -296,7 +296,7 @@
             <a:fld id="{9827C80C-B3CC-4A66-865A-348CFD40B55C}" type="datetimeFigureOut">
               <a:rPr lang="en-US" smtClean="0"/>
               <a:pPr/>
-              <a:t>2/2/2023</a:t>
+              <a:t>2/14/2023</a:t>
             </a:fld>
             <a:endParaRPr lang="en-US"/>
           </a:p>
@@ -463,7 +463,7 @@
             <a:fld id="{9827C80C-B3CC-4A66-865A-348CFD40B55C}" type="datetimeFigureOut">
               <a:rPr lang="en-US" smtClean="0"/>
               <a:pPr/>
-              <a:t>2/2/2023</a:t>
+              <a:t>2/14/2023</a:t>
             </a:fld>
             <a:endParaRPr lang="en-US"/>
           </a:p>
@@ -640,7 +640,7 @@
             <a:fld id="{9827C80C-B3CC-4A66-865A-348CFD40B55C}" type="datetimeFigureOut">
               <a:rPr lang="en-US" smtClean="0"/>
               <a:pPr/>
-              <a:t>2/2/2023</a:t>
+              <a:t>2/14/2023</a:t>
             </a:fld>
             <a:endParaRPr lang="en-US"/>
           </a:p>
@@ -807,7 +807,7 @@
             <a:fld id="{9827C80C-B3CC-4A66-865A-348CFD40B55C}" type="datetimeFigureOut">
               <a:rPr lang="en-US" smtClean="0"/>
               <a:pPr/>
-              <a:t>2/2/2023</a:t>
+              <a:t>2/14/2023</a:t>
             </a:fld>
             <a:endParaRPr lang="en-US"/>
           </a:p>
@@ -1050,7 +1050,7 @@
             <a:fld id="{9827C80C-B3CC-4A66-865A-348CFD40B55C}" type="datetimeFigureOut">
               <a:rPr lang="en-US" smtClean="0"/>
               <a:pPr/>
-              <a:t>2/2/2023</a:t>
+              <a:t>2/14/2023</a:t>
             </a:fld>
             <a:endParaRPr lang="en-US"/>
           </a:p>
@@ -1335,7 +1335,7 @@
             <a:fld id="{9827C80C-B3CC-4A66-865A-348CFD40B55C}" type="datetimeFigureOut">
               <a:rPr lang="en-US" smtClean="0"/>
               <a:pPr/>
-              <a:t>2/2/2023</a:t>
+              <a:t>2/14/2023</a:t>
             </a:fld>
             <a:endParaRPr lang="en-US"/>
           </a:p>
@@ -1754,7 +1754,7 @@
             <a:fld id="{9827C80C-B3CC-4A66-865A-348CFD40B55C}" type="datetimeFigureOut">
               <a:rPr lang="en-US" smtClean="0"/>
               <a:pPr/>
-              <a:t>2/2/2023</a:t>
+              <a:t>2/14/2023</a:t>
             </a:fld>
             <a:endParaRPr lang="en-US"/>
           </a:p>
@@ -1869,7 +1869,7 @@
             <a:fld id="{9827C80C-B3CC-4A66-865A-348CFD40B55C}" type="datetimeFigureOut">
               <a:rPr lang="en-US" smtClean="0"/>
               <a:pPr/>
-              <a:t>2/2/2023</a:t>
+              <a:t>2/14/2023</a:t>
             </a:fld>
             <a:endParaRPr lang="en-US"/>
           </a:p>
@@ -1961,7 +1961,7 @@
             <a:fld id="{9827C80C-B3CC-4A66-865A-348CFD40B55C}" type="datetimeFigureOut">
               <a:rPr lang="en-US" smtClean="0"/>
               <a:pPr/>
-              <a:t>2/2/2023</a:t>
+              <a:t>2/14/2023</a:t>
             </a:fld>
             <a:endParaRPr lang="en-US"/>
           </a:p>
@@ -2235,7 +2235,7 @@
             <a:fld id="{9827C80C-B3CC-4A66-865A-348CFD40B55C}" type="datetimeFigureOut">
               <a:rPr lang="en-US" smtClean="0"/>
               <a:pPr/>
-              <a:t>2/2/2023</a:t>
+              <a:t>2/14/2023</a:t>
             </a:fld>
             <a:endParaRPr lang="en-US"/>
           </a:p>
@@ -2485,7 +2485,7 @@
             <a:fld id="{9827C80C-B3CC-4A66-865A-348CFD40B55C}" type="datetimeFigureOut">
               <a:rPr lang="en-US" smtClean="0"/>
               <a:pPr/>
-              <a:t>2/2/2023</a:t>
+              <a:t>2/14/2023</a:t>
             </a:fld>
             <a:endParaRPr lang="en-US"/>
           </a:p>
@@ -2695,7 +2695,7 @@
             <a:fld id="{9827C80C-B3CC-4A66-865A-348CFD40B55C}" type="datetimeFigureOut">
               <a:rPr lang="en-US" smtClean="0"/>
               <a:pPr/>
-              <a:t>2/2/2023</a:t>
+              <a:t>2/14/2023</a:t>
             </a:fld>
             <a:endParaRPr lang="en-US"/>
           </a:p>
@@ -3093,7 +3093,28 @@
                 <a:latin typeface="Times New Roman" panose="02020603050405020304" pitchFamily="18" charset="0"/>
                 <a:cs typeface="Times New Roman" panose="02020603050405020304" pitchFamily="18" charset="0"/>
               </a:rPr>
-              <a:t>A SEMANTIC NEURAL MODEL APPROACH FOR FACE RECOGNITION FROM SKETCH</a:t>
+              <a:t>A SEMANTIC NEURAL MODEL APPROACH FOR </a:t>
+            </a:r>
+            <a:r>
+              <a:rPr lang="en-US" sz="3000" b="1" smtClean="0">
+                <a:latin typeface="Times New Roman" panose="02020603050405020304" pitchFamily="18" charset="0"/>
+                <a:cs typeface="Times New Roman" panose="02020603050405020304" pitchFamily="18" charset="0"/>
+              </a:rPr>
+              <a:t>FACE </a:t>
+            </a:r>
+            <a:r>
+              <a:rPr lang="en-US" sz="3000" b="1" smtClean="0">
+                <a:latin typeface="Times New Roman" panose="02020603050405020304" pitchFamily="18" charset="0"/>
+                <a:cs typeface="Times New Roman" panose="02020603050405020304" pitchFamily="18" charset="0"/>
+              </a:rPr>
+              <a:t>RECOGNITION </a:t>
+            </a:r>
+            <a:r>
+              <a:rPr lang="en-US" sz="3000" b="1" dirty="0" smtClean="0">
+                <a:latin typeface="Times New Roman" panose="02020603050405020304" pitchFamily="18" charset="0"/>
+                <a:cs typeface="Times New Roman" panose="02020603050405020304" pitchFamily="18" charset="0"/>
+              </a:rPr>
+              <a:t>SKETCH</a:t>
             </a:r>
             <a:endParaRPr lang="en-US" sz="3000" b="1" dirty="0"/>
           </a:p>
